--- a/course_resources/slides/Used/014_pipelines.pptx
+++ b/course_resources/slides/Used/014_pipelines.pptx
@@ -21,9 +21,12 @@
     <p:sldId id="277" r:id="rId15"/>
     <p:sldId id="278" r:id="rId16"/>
     <p:sldId id="279" r:id="rId17"/>
-    <p:sldId id="280" r:id="rId18"/>
-    <p:sldId id="281" r:id="rId19"/>
-    <p:sldId id="282" r:id="rId20"/>
+    <p:sldId id="285" r:id="rId18"/>
+    <p:sldId id="280" r:id="rId19"/>
+    <p:sldId id="281" r:id="rId20"/>
+    <p:sldId id="282" r:id="rId21"/>
+    <p:sldId id="283" r:id="rId22"/>
+    <p:sldId id="284" r:id="rId23"/>
   </p:sldIdLst>
   <p:sldSz cx="12192000" cy="6858000"/>
   <p:notesSz cx="6858000" cy="9144000"/>
@@ -269,7 +272,7 @@
           <a:p>
             <a:fld id="{2EF5F05D-6BEB-2841-A851-D41DAF75D792}" type="datetimeFigureOut">
               <a:rPr lang="en-US" smtClean="0"/>
-              <a:t>2/1/24</a:t>
+              <a:t>3/6/24</a:t>
             </a:fld>
             <a:endParaRPr lang="en-US"/>
           </a:p>
@@ -480,7 +483,7 @@
           <a:p>
             <a:fld id="{2EF5F05D-6BEB-2841-A851-D41DAF75D792}" type="datetimeFigureOut">
               <a:rPr lang="en-US" smtClean="0"/>
-              <a:t>2/1/24</a:t>
+              <a:t>3/6/24</a:t>
             </a:fld>
             <a:endParaRPr lang="en-US"/>
           </a:p>
@@ -695,7 +698,7 @@
           <a:p>
             <a:fld id="{2EF5F05D-6BEB-2841-A851-D41DAF75D792}" type="datetimeFigureOut">
               <a:rPr lang="en-US" smtClean="0"/>
-              <a:t>2/1/24</a:t>
+              <a:t>3/6/24</a:t>
             </a:fld>
             <a:endParaRPr lang="en-US"/>
           </a:p>
@@ -896,7 +899,7 @@
           <a:p>
             <a:fld id="{2EF5F05D-6BEB-2841-A851-D41DAF75D792}" type="datetimeFigureOut">
               <a:rPr lang="en-US" smtClean="0"/>
-              <a:t>2/1/24</a:t>
+              <a:t>3/6/24</a:t>
             </a:fld>
             <a:endParaRPr lang="en-US"/>
           </a:p>
@@ -1175,7 +1178,7 @@
           <a:p>
             <a:fld id="{2EF5F05D-6BEB-2841-A851-D41DAF75D792}" type="datetimeFigureOut">
               <a:rPr lang="en-US" smtClean="0"/>
-              <a:t>2/1/24</a:t>
+              <a:t>3/6/24</a:t>
             </a:fld>
             <a:endParaRPr lang="en-US"/>
           </a:p>
@@ -1443,7 +1446,7 @@
           <a:p>
             <a:fld id="{2EF5F05D-6BEB-2841-A851-D41DAF75D792}" type="datetimeFigureOut">
               <a:rPr lang="en-US" smtClean="0"/>
-              <a:t>2/1/24</a:t>
+              <a:t>3/6/24</a:t>
             </a:fld>
             <a:endParaRPr lang="en-US"/>
           </a:p>
@@ -1859,7 +1862,7 @@
           <a:p>
             <a:fld id="{2EF5F05D-6BEB-2841-A851-D41DAF75D792}" type="datetimeFigureOut">
               <a:rPr lang="en-US" smtClean="0"/>
-              <a:t>2/1/24</a:t>
+              <a:t>3/6/24</a:t>
             </a:fld>
             <a:endParaRPr lang="en-US"/>
           </a:p>
@@ -2008,7 +2011,7 @@
           <a:p>
             <a:fld id="{2EF5F05D-6BEB-2841-A851-D41DAF75D792}" type="datetimeFigureOut">
               <a:rPr lang="en-US" smtClean="0"/>
-              <a:t>2/1/24</a:t>
+              <a:t>3/6/24</a:t>
             </a:fld>
             <a:endParaRPr lang="en-US"/>
           </a:p>
@@ -2134,7 +2137,7 @@
           <a:p>
             <a:fld id="{2EF5F05D-6BEB-2841-A851-D41DAF75D792}" type="datetimeFigureOut">
               <a:rPr lang="en-US" smtClean="0"/>
-              <a:t>2/1/24</a:t>
+              <a:t>3/6/24</a:t>
             </a:fld>
             <a:endParaRPr lang="en-US"/>
           </a:p>
@@ -2385,7 +2388,7 @@
           <a:p>
             <a:fld id="{2EF5F05D-6BEB-2841-A851-D41DAF75D792}" type="datetimeFigureOut">
               <a:rPr lang="en-US" smtClean="0"/>
-              <a:t>2/1/24</a:t>
+              <a:t>3/6/24</a:t>
             </a:fld>
             <a:endParaRPr lang="en-US"/>
           </a:p>
@@ -2830,7 +2833,7 @@
           <a:p>
             <a:fld id="{2EF5F05D-6BEB-2841-A851-D41DAF75D792}" type="datetimeFigureOut">
               <a:rPr lang="en-US" smtClean="0"/>
-              <a:t>2/1/24</a:t>
+              <a:t>3/6/24</a:t>
             </a:fld>
             <a:endParaRPr lang="en-US"/>
           </a:p>
@@ -3157,7 +3160,7 @@
           <a:p>
             <a:fld id="{2EF5F05D-6BEB-2841-A851-D41DAF75D792}" type="datetimeFigureOut">
               <a:rPr lang="en-US" smtClean="0"/>
-              <a:t>2/1/24</a:t>
+              <a:t>3/6/24</a:t>
             </a:fld>
             <a:endParaRPr lang="en-US"/>
           </a:p>
@@ -4352,15 +4355,7 @@
           <a:p>
             <a:r>
               <a:rPr lang="en-US" sz="2200" dirty="0"/>
-              <a:t>The “handle </a:t>
-            </a:r>
-            <a:r>
-              <a:rPr lang="en-US" sz="2200" dirty="0" err="1"/>
-              <a:t>unkown</a:t>
-            </a:r>
-            <a:r>
-              <a:rPr lang="en-US" sz="2200" dirty="0"/>
-              <a:t>” is often needed for messy data. </a:t>
+              <a:t>The “handle unknown” is often needed for messy data. </a:t>
             </a:r>
           </a:p>
         </p:txBody>
@@ -4451,15 +4446,7 @@
           <a:p>
             <a:r>
               <a:rPr lang="en-US" dirty="0"/>
-              <a:t>Column transformer and </a:t>
-            </a:r>
-            <a:r>
-              <a:rPr lang="en-US" dirty="0" err="1"/>
-              <a:t>pipleline</a:t>
-            </a:r>
-            <a:r>
-              <a:rPr lang="en-US" dirty="0"/>
-              <a:t> code is simple, but can get messy. </a:t>
+              <a:t>Column transformer and pipeline code is simple, but can get messy. </a:t>
             </a:r>
           </a:p>
           <a:p>
@@ -4962,7 +4949,7 @@
           <a:p>
             <a:r>
               <a:rPr lang="en-US" dirty="0"/>
-              <a:t>There are several imputation transformers, and several parameterized options. </a:t>
+              <a:t>There are several imputation transformers, and several parameterized options in each.  </a:t>
             </a:r>
           </a:p>
         </p:txBody>
@@ -5002,7 +4989,7 @@
           <p:cNvPr id="2" name="Title 1">
             <a:extLst>
               <a:ext uri="{FF2B5EF4-FFF2-40B4-BE49-F238E27FC236}">
-                <a16:creationId xmlns:a16="http://schemas.microsoft.com/office/drawing/2014/main" id="{76146B65-250A-C8A0-1BD4-AD8FA2BBBE9A}"/>
+                <a16:creationId xmlns:a16="http://schemas.microsoft.com/office/drawing/2014/main" id="{D50A085C-CF48-84FD-9ECD-A21D43ACEA4D}"/>
               </a:ext>
             </a:extLst>
           </p:cNvPr>
@@ -5020,7 +5007,7 @@
           <a:p>
             <a:r>
               <a:rPr lang="en-US" dirty="0"/>
-              <a:t>Imputation Concerns</a:t>
+              <a:t>Real Imputing</a:t>
             </a:r>
           </a:p>
         </p:txBody>
@@ -5030,7 +5017,7 @@
           <p:cNvPr id="3" name="Content Placeholder 2">
             <a:extLst>
               <a:ext uri="{FF2B5EF4-FFF2-40B4-BE49-F238E27FC236}">
-                <a16:creationId xmlns:a16="http://schemas.microsoft.com/office/drawing/2014/main" id="{C488DB5B-A139-BBC3-7DC8-296771CE8640}"/>
+                <a16:creationId xmlns:a16="http://schemas.microsoft.com/office/drawing/2014/main" id="{173F806E-DB46-6DE1-4E13-4B26372870E2}"/>
               </a:ext>
             </a:extLst>
           </p:cNvPr>
@@ -5044,86 +5031,93 @@
         <p:spPr>
           <a:xfrm>
             <a:off x="1451579" y="1853754"/>
-            <a:ext cx="9603275" cy="4199727"/>
+            <a:ext cx="9603275" cy="4280346"/>
           </a:xfrm>
         </p:spPr>
         <p:txBody>
-          <a:bodyPr>
-            <a:normAutofit lnSpcReduction="10000"/>
-          </a:bodyPr>
-          <a:lstStyle/>
-          <a:p>
-            <a:r>
-              <a:rPr lang="en-US" dirty="0"/>
-              <a:t>When doing something other than deleting, we are creating fake data. </a:t>
+          <a:bodyPr/>
+          <a:lstStyle/>
+          <a:p>
+            <a:r>
+              <a:rPr lang="en-US" dirty="0"/>
+              <a:t>Imputation is important because it allows us to keep useful data, even if incomplete. </a:t>
+            </a:r>
+          </a:p>
+          <a:p>
+            <a:r>
+              <a:rPr lang="en-US" dirty="0"/>
+              <a:t>Think of Statistics Canada – broad data, but likely not perfectly complete. </a:t>
             </a:r>
           </a:p>
           <a:p>
             <a:pPr lvl="1"/>
             <a:r>
               <a:rPr lang="en-US" dirty="0"/>
-              <a:t>This might be common than you think in machine learning. </a:t>
+              <a:t>Some census questions may be blank, or consciously unanswered. </a:t>
             </a:r>
           </a:p>
           <a:p>
             <a:pPr lvl="1"/>
             <a:r>
               <a:rPr lang="en-US" dirty="0"/>
-              <a:t>Our goal isn’t accurate data, it is whatever data makes an accurate model. </a:t>
-            </a:r>
-          </a:p>
-          <a:p>
-            <a:r>
-              <a:rPr lang="en-US" dirty="0"/>
-              <a:t>We need to make sure we aren’t inventing data that will ruin our model. </a:t>
+              <a:t>Getting more/new data is difficult and expensive to impossible – census runs at a set interval. </a:t>
             </a:r>
           </a:p>
           <a:p>
             <a:pPr lvl="1"/>
             <a:r>
               <a:rPr lang="en-US" dirty="0"/>
-              <a:t>This will depend on the distribution of the data and missing values. </a:t>
-            </a:r>
-          </a:p>
-          <a:p>
-            <a:r>
-              <a:rPr lang="en-US" dirty="0"/>
-              <a:t>We don’t usually want to impute “too much” data, though that limit varies. </a:t>
+              <a:t>Scrapping entire rows (likely a full person’s responses) means data loss is severe. </a:t>
+            </a:r>
+          </a:p>
+          <a:p>
+            <a:r>
+              <a:rPr lang="en-US" dirty="0"/>
+              <a:t>We can (often) make a better model by keeping data with imputation, rather than keeping data 100% correct. </a:t>
             </a:r>
           </a:p>
           <a:p>
             <a:pPr lvl="1"/>
             <a:r>
               <a:rPr lang="en-US" dirty="0"/>
-              <a:t>Around 10% missing should trigger some concern. </a:t>
+              <a:t>This isn’t super intuitive, but the fake data lets us keep more real data, which may be better. </a:t>
+            </a:r>
+          </a:p>
+          <a:p>
+            <a:r>
+              <a:rPr lang="en-US" dirty="0"/>
+              <a:t>Imputation can also be smarted, with more advanced techniques. </a:t>
             </a:r>
           </a:p>
           <a:p>
             <a:pPr lvl="1"/>
             <a:r>
               <a:rPr lang="en-US" dirty="0"/>
-              <a:t>The more “random” the data is, the less likely our imputation is to be accurate. </a:t>
-            </a:r>
-          </a:p>
-          <a:p>
-            <a:r>
-              <a:rPr lang="en-US" dirty="0"/>
-              <a:t>As data grows, odd patterns can emerge with imputation. </a:t>
-            </a:r>
-          </a:p>
-          <a:p>
-            <a:pPr lvl="1"/>
-            <a:r>
-              <a:rPr lang="en-US" dirty="0"/>
-              <a:t>There are occasional papers showing accurate prediction with 80%+ missing values. Rare. </a:t>
-            </a:r>
+              <a:t>E.g. impute income based on job, city, age, </a:t>
+            </a:r>
+            <a:r>
+              <a:rPr lang="en-US" dirty="0" err="1"/>
+              <a:t>etc</a:t>
+            </a:r>
+            <a:r>
+              <a:rPr lang="en-US" dirty="0"/>
+              <a:t>… rather than ‘dumb</a:t>
+            </a:r>
+            <a:r>
+              <a:rPr lang="en-US"/>
+              <a:t>’ average. </a:t>
+            </a:r>
+            <a:endParaRPr lang="en-US" dirty="0"/>
+          </a:p>
+          <a:p>
+            <a:endParaRPr lang="en-US" dirty="0"/>
           </a:p>
         </p:txBody>
       </p:sp>
     </p:spTree>
     <p:extLst>
       <p:ext uri="{BB962C8B-B14F-4D97-AF65-F5344CB8AC3E}">
-        <p14:creationId xmlns:p14="http://schemas.microsoft.com/office/powerpoint/2010/main" val="2691792308"/>
+        <p14:creationId xmlns:p14="http://schemas.microsoft.com/office/powerpoint/2010/main" val="2683054892"/>
       </p:ext>
     </p:extLst>
   </p:cSld>
@@ -5155,7 +5149,7 @@
           <p:cNvPr id="2" name="Title 1">
             <a:extLst>
               <a:ext uri="{FF2B5EF4-FFF2-40B4-BE49-F238E27FC236}">
-                <a16:creationId xmlns:a16="http://schemas.microsoft.com/office/drawing/2014/main" id="{F36F69A1-DA15-AECC-0018-7FD1D7B81A6A}"/>
+                <a16:creationId xmlns:a16="http://schemas.microsoft.com/office/drawing/2014/main" id="{76146B65-250A-C8A0-1BD4-AD8FA2BBBE9A}"/>
               </a:ext>
             </a:extLst>
           </p:cNvPr>
@@ -5173,7 +5167,7 @@
           <a:p>
             <a:r>
               <a:rPr lang="en-US" dirty="0"/>
-              <a:t>Smarter Imputation</a:t>
+              <a:t>Imputation Concerns</a:t>
             </a:r>
           </a:p>
         </p:txBody>
@@ -5183,7 +5177,7 @@
           <p:cNvPr id="3" name="Content Placeholder 2">
             <a:extLst>
               <a:ext uri="{FF2B5EF4-FFF2-40B4-BE49-F238E27FC236}">
-                <a16:creationId xmlns:a16="http://schemas.microsoft.com/office/drawing/2014/main" id="{B069CD4D-154F-9CDB-209A-536A91A16E94}"/>
+                <a16:creationId xmlns:a16="http://schemas.microsoft.com/office/drawing/2014/main" id="{C488DB5B-A139-BBC3-7DC8-296771CE8640}"/>
               </a:ext>
             </a:extLst>
           </p:cNvPr>
@@ -5201,65 +5195,74 @@
           </a:xfrm>
         </p:spPr>
         <p:txBody>
-          <a:bodyPr/>
-          <a:lstStyle/>
-          <a:p>
-            <a:r>
-              <a:rPr lang="en-US" dirty="0"/>
-              <a:t>We’ll look at this when we do unsupervised learning in more detail. </a:t>
-            </a:r>
-          </a:p>
-          <a:p>
-            <a:r>
-              <a:rPr lang="en-US" dirty="0"/>
-              <a:t>Real imputation often uses “smarter” methods to determine what to impute. </a:t>
+          <a:bodyPr>
+            <a:normAutofit lnSpcReduction="10000"/>
+          </a:bodyPr>
+          <a:lstStyle/>
+          <a:p>
+            <a:r>
+              <a:rPr lang="en-US" dirty="0"/>
+              <a:t>When doing something other than deleting, we are creating fake data. </a:t>
             </a:r>
           </a:p>
           <a:p>
             <a:pPr lvl="1"/>
             <a:r>
               <a:rPr lang="en-US" dirty="0"/>
-              <a:t>Machine learning models can “learn” the expected values for a column. </a:t>
+              <a:t>This might be common than you think in machine learning. </a:t>
             </a:r>
           </a:p>
           <a:p>
             <a:pPr lvl="1"/>
             <a:r>
               <a:rPr lang="en-US" dirty="0"/>
-              <a:t>We can impute a “smart” value for that row of data, rather than a generic average. </a:t>
+              <a:t>Our goal isn’t accurate data, it is whatever data makes an accurate model. </a:t>
+            </a:r>
+          </a:p>
+          <a:p>
+            <a:r>
+              <a:rPr lang="en-US" dirty="0"/>
+              <a:t>We need to make sure we aren’t inventing data that will ruin our model. </a:t>
             </a:r>
           </a:p>
           <a:p>
             <a:pPr lvl="1"/>
             <a:r>
               <a:rPr lang="en-US" dirty="0"/>
-              <a:t>Model can predict the expected value to impute. </a:t>
-            </a:r>
-          </a:p>
-          <a:p>
-            <a:r>
-              <a:rPr lang="en-US" dirty="0"/>
-              <a:t>E.g. for census income data, rather than inserting a median for a missing income, that can be predicted based on job, location, age, </a:t>
-            </a:r>
-            <a:r>
-              <a:rPr lang="en-US" dirty="0" err="1"/>
-              <a:t>etc</a:t>
-            </a:r>
-            <a:r>
-              <a:rPr lang="en-US" dirty="0"/>
-              <a:t>…</a:t>
-            </a:r>
-          </a:p>
-          <a:p>
-            <a:r>
-              <a:rPr lang="en-US" dirty="0"/>
-              <a:t>We are still inventing data, but with more logic behind it. </a:t>
-            </a:r>
-          </a:p>
-          <a:p>
-            <a:r>
-              <a:rPr lang="en-US" dirty="0"/>
-              <a:t>Our imputation will be “dumb” – we don’t have the domain knowledge. </a:t>
+              <a:t>This will depend on the distribution of the data and missing values. </a:t>
+            </a:r>
+          </a:p>
+          <a:p>
+            <a:r>
+              <a:rPr lang="en-US" dirty="0"/>
+              <a:t>We don’t usually want to impute “too much” data, though that limit varies. </a:t>
+            </a:r>
+          </a:p>
+          <a:p>
+            <a:pPr lvl="1"/>
+            <a:r>
+              <a:rPr lang="en-US" dirty="0"/>
+              <a:t>Around 10% missing should trigger some concern. </a:t>
+            </a:r>
+          </a:p>
+          <a:p>
+            <a:pPr lvl="1"/>
+            <a:r>
+              <a:rPr lang="en-US" dirty="0"/>
+              <a:t>The more “random” the data is, the less likely our imputation is to be accurate. </a:t>
+            </a:r>
+          </a:p>
+          <a:p>
+            <a:r>
+              <a:rPr lang="en-US" dirty="0"/>
+              <a:t>As data grows, odd patterns can emerge with imputation. </a:t>
+            </a:r>
+          </a:p>
+          <a:p>
+            <a:pPr lvl="1"/>
+            <a:r>
+              <a:rPr lang="en-US" dirty="0"/>
+              <a:t>There are occasional papers showing accurate prediction with 80%+ missing values. Rare. </a:t>
             </a:r>
           </a:p>
         </p:txBody>
@@ -5267,7 +5270,7 @@
     </p:spTree>
     <p:extLst>
       <p:ext uri="{BB962C8B-B14F-4D97-AF65-F5344CB8AC3E}">
-        <p14:creationId xmlns:p14="http://schemas.microsoft.com/office/powerpoint/2010/main" val="626052196"/>
+        <p14:creationId xmlns:p14="http://schemas.microsoft.com/office/powerpoint/2010/main" val="2691792308"/>
       </p:ext>
     </p:extLst>
   </p:cSld>
@@ -5299,7 +5302,7 @@
           <p:cNvPr id="2" name="Title 1">
             <a:extLst>
               <a:ext uri="{FF2B5EF4-FFF2-40B4-BE49-F238E27FC236}">
-                <a16:creationId xmlns:a16="http://schemas.microsoft.com/office/drawing/2014/main" id="{7BD0D71F-D099-13D7-84E3-7DC4230B2F4A}"/>
+                <a16:creationId xmlns:a16="http://schemas.microsoft.com/office/drawing/2014/main" id="{F36F69A1-DA15-AECC-0018-7FD1D7B81A6A}"/>
               </a:ext>
             </a:extLst>
           </p:cNvPr>
@@ -5317,7 +5320,7 @@
           <a:p>
             <a:r>
               <a:rPr lang="en-US" dirty="0"/>
-              <a:t>Imputation Wrap</a:t>
+              <a:t>Smarter Imputation</a:t>
             </a:r>
           </a:p>
         </p:txBody>
@@ -5327,7 +5330,7 @@
           <p:cNvPr id="3" name="Content Placeholder 2">
             <a:extLst>
               <a:ext uri="{FF2B5EF4-FFF2-40B4-BE49-F238E27FC236}">
-                <a16:creationId xmlns:a16="http://schemas.microsoft.com/office/drawing/2014/main" id="{A64A671D-C15B-46CF-DF5A-08235DCB8139}"/>
+                <a16:creationId xmlns:a16="http://schemas.microsoft.com/office/drawing/2014/main" id="{B069CD4D-154F-9CDB-209A-536A91A16E94}"/>
               </a:ext>
             </a:extLst>
           </p:cNvPr>
@@ -5350,61 +5353,60 @@
           <a:p>
             <a:r>
               <a:rPr lang="en-US" dirty="0"/>
-              <a:t>Imputing values is very common in our pipelines. </a:t>
+              <a:t>We’ll look at this when we do unsupervised learning in more detail. </a:t>
+            </a:r>
+          </a:p>
+          <a:p>
+            <a:r>
+              <a:rPr lang="en-US" dirty="0"/>
+              <a:t>Real imputation often uses “smarter” methods to determine what to impute. </a:t>
             </a:r>
           </a:p>
           <a:p>
             <a:pPr lvl="1"/>
             <a:r>
               <a:rPr lang="en-US" dirty="0"/>
-              <a:t>A default of dropping missing values is usually good, as empty spots will cause errors. </a:t>
+              <a:t>Machine learning models can “learn” the expected values for a column. </a:t>
             </a:r>
           </a:p>
           <a:p>
             <a:pPr lvl="1"/>
             <a:r>
               <a:rPr lang="en-US" dirty="0"/>
-              <a:t>If we have a need or reasoning to impute further, we can use another imputer. </a:t>
-            </a:r>
-          </a:p>
-          <a:p>
-            <a:r>
-              <a:rPr lang="en-US" dirty="0"/>
-              <a:t>If we are creating data, we want to be careful and monitor the impact. </a:t>
+              <a:t>We can impute a “smart” value for that row of data, rather than a generic average. </a:t>
             </a:r>
           </a:p>
           <a:p>
             <a:pPr lvl="1"/>
             <a:r>
               <a:rPr lang="en-US" dirty="0"/>
-              <a:t>Performance on actual test data. </a:t>
-            </a:r>
-          </a:p>
-          <a:p>
-            <a:pPr lvl="1"/>
-            <a:r>
-              <a:rPr lang="en-US" dirty="0"/>
-              <a:t>Amount of data generated. </a:t>
-            </a:r>
-          </a:p>
-          <a:p>
-            <a:pPr lvl="1"/>
-            <a:r>
-              <a:rPr lang="en-US" dirty="0"/>
-              <a:t>Does the distribution change pre-post imputation?</a:t>
-            </a:r>
-          </a:p>
-          <a:p>
-            <a:r>
-              <a:rPr lang="en-US" dirty="0"/>
-              <a:t>If there is a “critical” feature, imputing it may not make sense. </a:t>
-            </a:r>
-          </a:p>
-          <a:p>
-            <a:pPr lvl="1"/>
-            <a:r>
-              <a:rPr lang="en-US" dirty="0"/>
-              <a:t>I.e. if one feature is really important, we may skew results if we impute it. </a:t>
+              <a:t>Model can predict the expected value to impute. </a:t>
+            </a:r>
+          </a:p>
+          <a:p>
+            <a:r>
+              <a:rPr lang="en-US" dirty="0"/>
+              <a:t>E.g. for census income data, rather than inserting a median for a missing income, that can be predicted based on job, location, age, </a:t>
+            </a:r>
+            <a:r>
+              <a:rPr lang="en-US" dirty="0" err="1"/>
+              <a:t>etc</a:t>
+            </a:r>
+            <a:r>
+              <a:rPr lang="en-US" dirty="0"/>
+              <a:t>…</a:t>
+            </a:r>
+          </a:p>
+          <a:p>
+            <a:r>
+              <a:rPr lang="en-US" dirty="0"/>
+              <a:t>We are still inventing data, but with more logic behind it. </a:t>
+            </a:r>
+          </a:p>
+          <a:p>
+            <a:r>
+              <a:rPr lang="en-US" dirty="0"/>
+              <a:t>Our imputation will be “dumb” – we don’t have the domain knowledge. </a:t>
             </a:r>
           </a:p>
         </p:txBody>
@@ -5412,7 +5414,7 @@
     </p:spTree>
     <p:extLst>
       <p:ext uri="{BB962C8B-B14F-4D97-AF65-F5344CB8AC3E}">
-        <p14:creationId xmlns:p14="http://schemas.microsoft.com/office/powerpoint/2010/main" val="3583884511"/>
+        <p14:creationId xmlns:p14="http://schemas.microsoft.com/office/powerpoint/2010/main" val="626052196"/>
       </p:ext>
     </p:extLst>
   </p:cSld>
@@ -5496,6 +5498,431 @@
     <p:extLst>
       <p:ext uri="{BB962C8B-B14F-4D97-AF65-F5344CB8AC3E}">
         <p14:creationId xmlns:p14="http://schemas.microsoft.com/office/powerpoint/2010/main" val="3768099332"/>
+      </p:ext>
+    </p:extLst>
+  </p:cSld>
+  <p:clrMapOvr>
+    <a:masterClrMapping/>
+  </p:clrMapOvr>
+</p:sld>
+</file>
+
+<file path=ppt/slides/slide20.xml><?xml version="1.0" encoding="utf-8"?>
+<p:sld xmlns:a="http://schemas.openxmlformats.org/drawingml/2006/main" xmlns:r="http://schemas.openxmlformats.org/officeDocument/2006/relationships" xmlns:p="http://schemas.openxmlformats.org/presentationml/2006/main">
+  <p:cSld>
+    <p:spTree>
+      <p:nvGrpSpPr>
+        <p:cNvPr id="1" name=""/>
+        <p:cNvGrpSpPr/>
+        <p:nvPr/>
+      </p:nvGrpSpPr>
+      <p:grpSpPr>
+        <a:xfrm>
+          <a:off x="0" y="0"/>
+          <a:ext cx="0" cy="0"/>
+          <a:chOff x="0" y="0"/>
+          <a:chExt cx="0" cy="0"/>
+        </a:xfrm>
+      </p:grpSpPr>
+      <p:sp>
+        <p:nvSpPr>
+          <p:cNvPr id="2" name="Title 1">
+            <a:extLst>
+              <a:ext uri="{FF2B5EF4-FFF2-40B4-BE49-F238E27FC236}">
+                <a16:creationId xmlns:a16="http://schemas.microsoft.com/office/drawing/2014/main" id="{7BD0D71F-D099-13D7-84E3-7DC4230B2F4A}"/>
+              </a:ext>
+            </a:extLst>
+          </p:cNvPr>
+          <p:cNvSpPr>
+            <a:spLocks noGrp="1"/>
+          </p:cNvSpPr>
+          <p:nvPr>
+            <p:ph type="title"/>
+          </p:nvPr>
+        </p:nvSpPr>
+        <p:spPr/>
+        <p:txBody>
+          <a:bodyPr/>
+          <a:lstStyle/>
+          <a:p>
+            <a:r>
+              <a:rPr lang="en-US" dirty="0"/>
+              <a:t>Imputation Wrap</a:t>
+            </a:r>
+          </a:p>
+        </p:txBody>
+      </p:sp>
+      <p:sp>
+        <p:nvSpPr>
+          <p:cNvPr id="3" name="Content Placeholder 2">
+            <a:extLst>
+              <a:ext uri="{FF2B5EF4-FFF2-40B4-BE49-F238E27FC236}">
+                <a16:creationId xmlns:a16="http://schemas.microsoft.com/office/drawing/2014/main" id="{A64A671D-C15B-46CF-DF5A-08235DCB8139}"/>
+              </a:ext>
+            </a:extLst>
+          </p:cNvPr>
+          <p:cNvSpPr>
+            <a:spLocks noGrp="1"/>
+          </p:cNvSpPr>
+          <p:nvPr>
+            <p:ph idx="1"/>
+          </p:nvPr>
+        </p:nvSpPr>
+        <p:spPr>
+          <a:xfrm>
+            <a:off x="1451579" y="1853754"/>
+            <a:ext cx="9603275" cy="4199727"/>
+          </a:xfrm>
+        </p:spPr>
+        <p:txBody>
+          <a:bodyPr/>
+          <a:lstStyle/>
+          <a:p>
+            <a:r>
+              <a:rPr lang="en-US" dirty="0"/>
+              <a:t>Imputing values is very common in our pipelines. </a:t>
+            </a:r>
+          </a:p>
+          <a:p>
+            <a:pPr lvl="1"/>
+            <a:r>
+              <a:rPr lang="en-US" dirty="0"/>
+              <a:t>A default of dropping missing values is usually good, as empty spots will cause errors. </a:t>
+            </a:r>
+          </a:p>
+          <a:p>
+            <a:pPr lvl="1"/>
+            <a:r>
+              <a:rPr lang="en-US" dirty="0"/>
+              <a:t>If we have a need or reasoning to impute further, we can use another imputer. </a:t>
+            </a:r>
+          </a:p>
+          <a:p>
+            <a:r>
+              <a:rPr lang="en-US" dirty="0"/>
+              <a:t>If we are creating data, we want to be careful and monitor the impact. </a:t>
+            </a:r>
+          </a:p>
+          <a:p>
+            <a:pPr lvl="1"/>
+            <a:r>
+              <a:rPr lang="en-US" dirty="0"/>
+              <a:t>Performance on actual test data. </a:t>
+            </a:r>
+          </a:p>
+          <a:p>
+            <a:pPr lvl="1"/>
+            <a:r>
+              <a:rPr lang="en-US" dirty="0"/>
+              <a:t>Amount of data generated. </a:t>
+            </a:r>
+          </a:p>
+          <a:p>
+            <a:pPr lvl="1"/>
+            <a:r>
+              <a:rPr lang="en-US" dirty="0"/>
+              <a:t>Does the distribution change pre-post imputation?</a:t>
+            </a:r>
+          </a:p>
+          <a:p>
+            <a:r>
+              <a:rPr lang="en-US" dirty="0"/>
+              <a:t>If there is a “critical” feature, imputing it may not make sense. </a:t>
+            </a:r>
+          </a:p>
+          <a:p>
+            <a:pPr lvl="1"/>
+            <a:r>
+              <a:rPr lang="en-US" dirty="0"/>
+              <a:t>I.e. if one feature is really important, we may skew results if we impute it. </a:t>
+            </a:r>
+          </a:p>
+        </p:txBody>
+      </p:sp>
+    </p:spTree>
+    <p:extLst>
+      <p:ext uri="{BB962C8B-B14F-4D97-AF65-F5344CB8AC3E}">
+        <p14:creationId xmlns:p14="http://schemas.microsoft.com/office/powerpoint/2010/main" val="3583884511"/>
+      </p:ext>
+    </p:extLst>
+  </p:cSld>
+  <p:clrMapOvr>
+    <a:masterClrMapping/>
+  </p:clrMapOvr>
+</p:sld>
+</file>
+
+<file path=ppt/slides/slide21.xml><?xml version="1.0" encoding="utf-8"?>
+<p:sld xmlns:a="http://schemas.openxmlformats.org/drawingml/2006/main" xmlns:r="http://schemas.openxmlformats.org/officeDocument/2006/relationships" xmlns:p="http://schemas.openxmlformats.org/presentationml/2006/main">
+  <p:cSld>
+    <p:spTree>
+      <p:nvGrpSpPr>
+        <p:cNvPr id="1" name=""/>
+        <p:cNvGrpSpPr/>
+        <p:nvPr/>
+      </p:nvGrpSpPr>
+      <p:grpSpPr>
+        <a:xfrm>
+          <a:off x="0" y="0"/>
+          <a:ext cx="0" cy="0"/>
+          <a:chOff x="0" y="0"/>
+          <a:chExt cx="0" cy="0"/>
+        </a:xfrm>
+      </p:grpSpPr>
+      <p:sp>
+        <p:nvSpPr>
+          <p:cNvPr id="2" name="Title 1">
+            <a:extLst>
+              <a:ext uri="{FF2B5EF4-FFF2-40B4-BE49-F238E27FC236}">
+                <a16:creationId xmlns:a16="http://schemas.microsoft.com/office/drawing/2014/main" id="{70BE5621-232E-21D4-E365-5BFD25AB6A53}"/>
+              </a:ext>
+            </a:extLst>
+          </p:cNvPr>
+          <p:cNvSpPr>
+            <a:spLocks noGrp="1"/>
+          </p:cNvSpPr>
+          <p:nvPr>
+            <p:ph type="title"/>
+          </p:nvPr>
+        </p:nvSpPr>
+        <p:spPr/>
+        <p:txBody>
+          <a:bodyPr/>
+          <a:lstStyle/>
+          <a:p>
+            <a:r>
+              <a:rPr lang="en-US" dirty="0"/>
+              <a:t>Data Prep Steps</a:t>
+            </a:r>
+          </a:p>
+        </p:txBody>
+      </p:sp>
+      <p:sp>
+        <p:nvSpPr>
+          <p:cNvPr id="3" name="Content Placeholder 2">
+            <a:extLst>
+              <a:ext uri="{FF2B5EF4-FFF2-40B4-BE49-F238E27FC236}">
+                <a16:creationId xmlns:a16="http://schemas.microsoft.com/office/drawing/2014/main" id="{5524D21F-FD53-B878-91E6-3949831C4053}"/>
+              </a:ext>
+            </a:extLst>
+          </p:cNvPr>
+          <p:cNvSpPr>
+            <a:spLocks noGrp="1"/>
+          </p:cNvSpPr>
+          <p:nvPr>
+            <p:ph idx="1"/>
+          </p:nvPr>
+        </p:nvSpPr>
+        <p:spPr>
+          <a:xfrm>
+            <a:off x="1451579" y="1853754"/>
+            <a:ext cx="9603275" cy="4199727"/>
+          </a:xfrm>
+        </p:spPr>
+        <p:txBody>
+          <a:bodyPr/>
+          <a:lstStyle/>
+          <a:p>
+            <a:r>
+              <a:rPr lang="en-US" dirty="0"/>
+              <a:t>In all cases, we need to do some steps to prepare our data for a predictive model. </a:t>
+            </a:r>
+          </a:p>
+          <a:p>
+            <a:r>
+              <a:rPr lang="en-US" dirty="0"/>
+              <a:t>The exact steps needed will vary, depending on data and ultimate goal:</a:t>
+            </a:r>
+          </a:p>
+          <a:p>
+            <a:pPr lvl="1"/>
+            <a:r>
+              <a:rPr lang="en-US" dirty="0"/>
+              <a:t>Commonly - outliers, missing values, actual errors, rescaling, encoding. </a:t>
+            </a:r>
+          </a:p>
+          <a:p>
+            <a:r>
+              <a:rPr lang="en-US" dirty="0"/>
+              <a:t>The target is always nearly the same:</a:t>
+            </a:r>
+          </a:p>
+          <a:p>
+            <a:pPr lvl="1"/>
+            <a:r>
+              <a:rPr lang="en-US" dirty="0"/>
+              <a:t>X data containing feature set. All values on the same scale, which implies encoding. </a:t>
+            </a:r>
+          </a:p>
+          <a:p>
+            <a:pPr lvl="1"/>
+            <a:r>
+              <a:rPr lang="en-US" dirty="0"/>
+              <a:t>Y data containing one column of target. </a:t>
+            </a:r>
+          </a:p>
+          <a:p>
+            <a:r>
+              <a:rPr lang="en-US" dirty="0"/>
+              <a:t>Pipelines and column transformers are tools that can package several steps together. </a:t>
+            </a:r>
+          </a:p>
+          <a:p>
+            <a:pPr lvl="1"/>
+            <a:r>
+              <a:rPr lang="en-US" dirty="0"/>
+              <a:t>The pipeline effectively “becomes” the model, in terms of usage. </a:t>
+            </a:r>
+          </a:p>
+          <a:p>
+            <a:pPr lvl="1"/>
+            <a:r>
+              <a:rPr lang="en-US" dirty="0"/>
+              <a:t>Most or all of the data preparation steps can be “built into” the model, via a pipeline. </a:t>
+            </a:r>
+          </a:p>
+        </p:txBody>
+      </p:sp>
+    </p:spTree>
+    <p:extLst>
+      <p:ext uri="{BB962C8B-B14F-4D97-AF65-F5344CB8AC3E}">
+        <p14:creationId xmlns:p14="http://schemas.microsoft.com/office/powerpoint/2010/main" val="2938738337"/>
+      </p:ext>
+    </p:extLst>
+  </p:cSld>
+  <p:clrMapOvr>
+    <a:masterClrMapping/>
+  </p:clrMapOvr>
+</p:sld>
+</file>
+
+<file path=ppt/slides/slide22.xml><?xml version="1.0" encoding="utf-8"?>
+<p:sld xmlns:a="http://schemas.openxmlformats.org/drawingml/2006/main" xmlns:r="http://schemas.openxmlformats.org/officeDocument/2006/relationships" xmlns:p="http://schemas.openxmlformats.org/presentationml/2006/main">
+  <p:cSld>
+    <p:spTree>
+      <p:nvGrpSpPr>
+        <p:cNvPr id="1" name=""/>
+        <p:cNvGrpSpPr/>
+        <p:nvPr/>
+      </p:nvGrpSpPr>
+      <p:grpSpPr>
+        <a:xfrm>
+          <a:off x="0" y="0"/>
+          <a:ext cx="0" cy="0"/>
+          <a:chOff x="0" y="0"/>
+          <a:chExt cx="0" cy="0"/>
+        </a:xfrm>
+      </p:grpSpPr>
+      <p:sp>
+        <p:nvSpPr>
+          <p:cNvPr id="2" name="Title 1">
+            <a:extLst>
+              <a:ext uri="{FF2B5EF4-FFF2-40B4-BE49-F238E27FC236}">
+                <a16:creationId xmlns:a16="http://schemas.microsoft.com/office/drawing/2014/main" id="{85054C6F-2FFB-BC3B-7F6B-1B19714C40FF}"/>
+              </a:ext>
+            </a:extLst>
+          </p:cNvPr>
+          <p:cNvSpPr>
+            <a:spLocks noGrp="1"/>
+          </p:cNvSpPr>
+          <p:nvPr>
+            <p:ph type="title"/>
+          </p:nvPr>
+        </p:nvSpPr>
+        <p:spPr/>
+        <p:txBody>
+          <a:bodyPr/>
+          <a:lstStyle/>
+          <a:p>
+            <a:r>
+              <a:rPr lang="en-US" dirty="0"/>
+              <a:t>Pipelines and Prep</a:t>
+            </a:r>
+          </a:p>
+        </p:txBody>
+      </p:sp>
+      <p:sp>
+        <p:nvSpPr>
+          <p:cNvPr id="3" name="Content Placeholder 2">
+            <a:extLst>
+              <a:ext uri="{FF2B5EF4-FFF2-40B4-BE49-F238E27FC236}">
+                <a16:creationId xmlns:a16="http://schemas.microsoft.com/office/drawing/2014/main" id="{9240B8CD-D5E2-9F3B-B4E8-04EC09C4E026}"/>
+              </a:ext>
+            </a:extLst>
+          </p:cNvPr>
+          <p:cNvSpPr>
+            <a:spLocks noGrp="1"/>
+          </p:cNvSpPr>
+          <p:nvPr>
+            <p:ph idx="1"/>
+          </p:nvPr>
+        </p:nvSpPr>
+        <p:spPr>
+          <a:xfrm>
+            <a:off x="1451579" y="1928191"/>
+            <a:ext cx="9603275" cy="4125289"/>
+          </a:xfrm>
+        </p:spPr>
+        <p:txBody>
+          <a:bodyPr/>
+          <a:lstStyle/>
+          <a:p>
+            <a:r>
+              <a:rPr lang="en-US" dirty="0"/>
+              <a:t>Pipelines are series of steps that are applied to whatever data goes through it. </a:t>
+            </a:r>
+          </a:p>
+          <a:p>
+            <a:pPr lvl="1"/>
+            <a:r>
+              <a:rPr lang="en-US" dirty="0"/>
+              <a:t>Steps can include many “transformers” – such as encode or impute, as well as models. </a:t>
+            </a:r>
+          </a:p>
+          <a:p>
+            <a:r>
+              <a:rPr lang="en-US" dirty="0"/>
+              <a:t>Column transformers split/combine different pipelines, and send data down one. </a:t>
+            </a:r>
+          </a:p>
+          <a:p>
+            <a:pPr lvl="1"/>
+            <a:r>
+              <a:rPr lang="en-US" dirty="0"/>
+              <a:t>The column transformer contains several pipes, as well as a list of columns to put in each. </a:t>
+            </a:r>
+          </a:p>
+          <a:p>
+            <a:r>
+              <a:rPr lang="en-US" dirty="0"/>
+              <a:t>These can be combined infinitely to take data from its incoming state into our goal. </a:t>
+            </a:r>
+          </a:p>
+          <a:p>
+            <a:pPr lvl="1"/>
+            <a:r>
+              <a:rPr lang="en-US" dirty="0"/>
+              <a:t>If new data comes in, that we need to predict, now we can just feed it to the model. </a:t>
+            </a:r>
+          </a:p>
+          <a:p>
+            <a:r>
+              <a:rPr lang="en-US" dirty="0"/>
+              <a:t>Makes code much more maintainable, easy to use, and reliable. </a:t>
+            </a:r>
+          </a:p>
+          <a:p>
+            <a:r>
+              <a:rPr lang="en-US" dirty="0"/>
+              <a:t>Use them, it makes things easier. </a:t>
+            </a:r>
+          </a:p>
+        </p:txBody>
+      </p:sp>
+    </p:spTree>
+    <p:extLst>
+      <p:ext uri="{BB962C8B-B14F-4D97-AF65-F5344CB8AC3E}">
+        <p14:creationId xmlns:p14="http://schemas.microsoft.com/office/powerpoint/2010/main" val="2862372527"/>
       </p:ext>
     </p:extLst>
   </p:cSld>
@@ -6270,8 +6697,8 @@
         </p:nvSpPr>
         <p:spPr>
           <a:xfrm>
-            <a:off x="1451579" y="1853754"/>
-            <a:ext cx="9603275" cy="4199727"/>
+            <a:off x="1137147" y="1853754"/>
+            <a:ext cx="10203402" cy="4199727"/>
           </a:xfrm>
         </p:spPr>
         <p:txBody>
@@ -6307,7 +6734,7 @@
           <a:p>
             <a:r>
               <a:rPr lang="en-US" dirty="0"/>
-              <a:t>These transformers all extend a couple of classes* that define how all transformers work. </a:t>
+              <a:t>These transformers all extend a couple of classes that define how all transformers work. </a:t>
             </a:r>
           </a:p>
           <a:p>
@@ -6325,16 +6752,9 @@
             </a:r>
           </a:p>
           <a:p>
-            <a:pPr lvl="1"/>
-            <a:r>
-              <a:rPr lang="en-US" dirty="0"/>
-              <a:t>* rough explanation, close enough for now. </a:t>
-            </a:r>
-          </a:p>
-          <a:p>
-            <a:r>
-              <a:rPr lang="en-US" dirty="0"/>
-              <a:t>With pipelines, we can avoid dealing with data, and only use the stages. </a:t>
+            <a:r>
+              <a:rPr lang="en-US" dirty="0"/>
+              <a:t>With pipelines, we can avoid dealing with data specifically, and only use the steps, generically. </a:t>
             </a:r>
           </a:p>
           <a:p>

--- a/course_resources/slides/Used/014_pipelines.pptx
+++ b/course_resources/slides/Used/014_pipelines.pptx
@@ -3698,97 +3698,53 @@
         </p:spPr>
         <p:txBody>
           <a:bodyPr>
-            <a:normAutofit fontScale="92500" lnSpcReduction="10000"/>
+            <a:normAutofit/>
           </a:bodyPr>
           <a:lstStyle/>
           <a:p>
             <a:r>
               <a:rPr lang="en-US" dirty="0"/>
-              <a:t>Today – Review classification tree, pipelines, imputation, column transformer. </a:t>
+              <a:t>Test part 2 marks are up. </a:t>
             </a:r>
           </a:p>
           <a:p>
             <a:pPr lvl="1"/>
             <a:r>
               <a:rPr lang="en-US" dirty="0"/>
-              <a:t>Workbook 003 – not in the stat’s subfolder anymore. </a:t>
+              <a:t>Mostly pretty good. Most frequent mistake probably due to not making functions generic. </a:t>
+            </a:r>
+          </a:p>
+          <a:p>
+            <a:r>
+              <a:rPr lang="en-US" dirty="0"/>
+              <a:t>Today - pipelines, column transformers, and imputation. </a:t>
             </a:r>
           </a:p>
           <a:p>
             <a:pPr lvl="1"/>
             <a:r>
               <a:rPr lang="en-US" dirty="0"/>
-              <a:t>Read the trees chapter in the text on Moodle (Introduction to Machine Learning with Python)</a:t>
-            </a:r>
-          </a:p>
-          <a:p>
-            <a:r>
-              <a:rPr lang="en-US" dirty="0"/>
-              <a:t>To this point… We should be ok with. </a:t>
+              <a:t>Imputation – dealing with missing values in data. </a:t>
             </a:r>
           </a:p>
           <a:p>
             <a:pPr lvl="1"/>
             <a:r>
               <a:rPr lang="en-US" dirty="0"/>
-              <a:t>The basic steps/structure of a </a:t>
-            </a:r>
-            <a:r>
-              <a:rPr lang="en-US" dirty="0" err="1"/>
-              <a:t>sklearn</a:t>
-            </a:r>
-            <a:r>
-              <a:rPr lang="en-US" dirty="0"/>
-              <a:t> process to create and evaluate model. </a:t>
-            </a:r>
-          </a:p>
-          <a:p>
-            <a:pPr lvl="2"/>
-            <a:r>
-              <a:rPr lang="en-US" dirty="0"/>
-              <a:t>Prepare data, clean, setup for model, construct pipeline, train, evaluate. </a:t>
-            </a:r>
-          </a:p>
-          <a:p>
-            <a:pPr lvl="2"/>
-            <a:r>
-              <a:rPr lang="en-US" dirty="0"/>
-              <a:t>Evaluation – RMSE/R2 for regression, Accuracy/”other” for classification. </a:t>
+              <a:t>Tools to make the data preparation process easier and more manageable. </a:t>
             </a:r>
           </a:p>
           <a:p>
             <a:pPr lvl="1"/>
             <a:r>
               <a:rPr lang="en-US" dirty="0"/>
-              <a:t>Adjusting hyperparameters to make things work/work better (non-systemically). </a:t>
-            </a:r>
-          </a:p>
-          <a:p>
-            <a:pPr lvl="1"/>
-            <a:r>
-              <a:rPr lang="en-US" dirty="0"/>
-              <a:t>Basic concepts – train/test data, grad. desc., predictions, loss/cost, ”purity” (from tree). </a:t>
-            </a:r>
-          </a:p>
-          <a:p>
-            <a:r>
-              <a:rPr lang="en-US" dirty="0"/>
-              <a:t>Now - basics stay the same, we look at diff models, their details, and new tools slowly. </a:t>
-            </a:r>
-          </a:p>
-          <a:p>
-            <a:r>
-              <a:rPr lang="en-US" dirty="0"/>
-              <a:t>Assignment #1 – Ignore the EDA part. Tree part due 10</a:t>
-            </a:r>
-            <a:r>
-              <a:rPr lang="en-US" baseline="30000" dirty="0"/>
-              <a:t>th</a:t>
-            </a:r>
-            <a:r>
-              <a:rPr lang="en-US" dirty="0"/>
-              <a:t>? </a:t>
-            </a:r>
+              <a:t>Simple concepts</a:t>
+            </a:r>
+            <a:r>
+              <a:rPr lang="en-US"/>
+              <a:t>, important hands-on tools. </a:t>
+            </a:r>
+            <a:endParaRPr lang="en-US" dirty="0"/>
           </a:p>
         </p:txBody>
       </p:sp>
@@ -4949,7 +4905,14 @@
           <a:p>
             <a:r>
               <a:rPr lang="en-US" dirty="0"/>
-              <a:t>There are several imputation transformers, and several parameterized options in each.  </a:t>
+              <a:t>There are several imputation transformers, and several parameterized options in each. </a:t>
+            </a:r>
+          </a:p>
+          <a:p>
+            <a:pPr lvl="1"/>
+            <a:r>
+              <a:rPr lang="en-US" dirty="0"/>
+              <a:t>E.g. we can set a missing placeholder like “N/A” and it’ll treat those like blanks. </a:t>
             </a:r>
           </a:p>
         </p:txBody>
@@ -5101,13 +5064,8 @@
             </a:r>
             <a:r>
               <a:rPr lang="en-US" dirty="0"/>
-              <a:t>… rather than ‘dumb</a:t>
-            </a:r>
-            <a:r>
-              <a:rPr lang="en-US"/>
-              <a:t>’ average. </a:t>
-            </a:r>
-            <a:endParaRPr lang="en-US" dirty="0"/>
+              <a:t>… rather than ‘dumb’ average. </a:t>
+            </a:r>
           </a:p>
           <a:p>
             <a:endParaRPr lang="en-US" dirty="0"/>

--- a/course_resources/slides/Used/014_pipelines.pptx
+++ b/course_resources/slides/Used/014_pipelines.pptx
@@ -3698,7 +3698,7 @@
         </p:spPr>
         <p:txBody>
           <a:bodyPr>
-            <a:normAutofit/>
+            <a:normAutofit lnSpcReduction="10000"/>
           </a:bodyPr>
           <a:lstStyle/>
           <a:p>
@@ -3738,13 +3738,34 @@
             <a:pPr lvl="1"/>
             <a:r>
               <a:rPr lang="en-US" dirty="0"/>
-              <a:t>Simple concepts</a:t>
-            </a:r>
-            <a:r>
-              <a:rPr lang="en-US"/>
-              <a:t>, important hands-on tools. </a:t>
-            </a:r>
-            <a:endParaRPr lang="en-US" dirty="0"/>
+              <a:t>Simple concepts, important hands-on tools. </a:t>
+            </a:r>
+          </a:p>
+          <a:p>
+            <a:r>
+              <a:rPr lang="en-US" dirty="0"/>
+              <a:t>Lab 3 – it should be pretty doable, any issues? </a:t>
+            </a:r>
+          </a:p>
+          <a:p>
+            <a:r>
+              <a:rPr lang="en-US" dirty="0"/>
+              <a:t>Next week – classification. Predicting class yes/no. </a:t>
+            </a:r>
+          </a:p>
+          <a:p>
+            <a:pPr lvl="1"/>
+            <a:r>
+              <a:rPr lang="en-US" dirty="0"/>
+              <a:t>Gradient descent. </a:t>
+            </a:r>
+          </a:p>
+          <a:p>
+            <a:pPr lvl="1"/>
+            <a:r>
+              <a:rPr lang="en-US" dirty="0"/>
+              <a:t>Real machine learning assignment time!!!! </a:t>
+            </a:r>
           </a:p>
         </p:txBody>
       </p:sp>
